--- a/Capstone Project - Taxi Aggregator/Assets/Capstone Project-Final_Presentation .pptx
+++ b/Capstone Project - Taxi Aggregator/Assets/Capstone Project-Final_Presentation .pptx
@@ -4904,12 +4904,17 @@
         </p:blipFill>
         <p:spPr>
           <a:xfrm>
-            <a:off x="1126434" y="1239099"/>
-            <a:ext cx="8772940" cy="5290929"/>
-          </a:xfrm>
-          <a:prstGeom prst="rect">
-            <a:avLst/>
-          </a:prstGeom>
+            <a:off x="1054714" y="1274958"/>
+            <a:ext cx="9927049" cy="5290929"/>
+          </a:xfrm>
+          <a:prstGeom prst="rect">
+            <a:avLst/>
+          </a:prstGeom>
+          <a:ln>
+            <a:solidFill>
+              <a:schemeClr val="tx1"/>
+            </a:solidFill>
+          </a:ln>
         </p:spPr>
       </p:pic>
     </p:spTree>
